--- a/2022/how_to_build_software/how_to_build_software.pptx
+++ b/2022/how_to_build_software/how_to_build_software.pptx
@@ -1441,14 +1441,14 @@
           </a:ln>
           <a:extLst>
             <a:ext uri="{909E8E84-426E-40dd-AFC4-6F175D3DCCD1}">
-              <a14:hiddenFill xmlns="" xmlns:a14="http://schemas.microsoft.com/office/drawing/2010/main">
+              <a14:hiddenFill xmlns:a14="http://schemas.microsoft.com/office/drawing/2010/main" xmlns="">
                 <a:solidFill>
                   <a:schemeClr val="accent1"/>
                 </a:solidFill>
               </a14:hiddenFill>
             </a:ext>
             <a:ext uri="{91240B29-F687-4f45-9708-019B960494DF}">
-              <a14:hiddenLine xmlns="" xmlns:a14="http://schemas.microsoft.com/office/drawing/2010/main" w="9525">
+              <a14:hiddenLine xmlns:a14="http://schemas.microsoft.com/office/drawing/2010/main" xmlns="" w="9525">
                 <a:solidFill>
                   <a:schemeClr val="tx1"/>
                 </a:solidFill>
@@ -1458,7 +1458,7 @@
               </a14:hiddenLine>
             </a:ext>
             <a:ext uri="{AF507438-7753-43e0-B8FC-AC1667EBCBE1}">
-              <a14:hiddenEffects xmlns="" xmlns:a14="http://schemas.microsoft.com/office/drawing/2010/main">
+              <a14:hiddenEffects xmlns:a14="http://schemas.microsoft.com/office/drawing/2010/main" xmlns="">
                 <a:effectLst>
                   <a:outerShdw dist="35921" dir="2700000" algn="ctr" rotWithShape="0">
                     <a:schemeClr val="bg2"/>
@@ -5289,7 +5289,7 @@
             </a:r>
             <a:r>
               <a:rPr lang="en-US" sz="2400" b="1" dirty="0" err="1"/>
-              <a:t>abs_path</a:t>
+              <a:t>full_path</a:t>
             </a:r>
             <a:r>
               <a:rPr lang="en-US" sz="2400" b="1" dirty="0"/>
@@ -7004,14 +7004,14 @@
           </a:ln>
           <a:extLst>
             <a:ext uri="{909E8E84-426E-40dd-AFC4-6F175D3DCCD1}">
-              <a14:hiddenFill xmlns="" xmlns:a14="http://schemas.microsoft.com/office/drawing/2010/main">
+              <a14:hiddenFill xmlns:a14="http://schemas.microsoft.com/office/drawing/2010/main" xmlns="">
                 <a:solidFill>
                   <a:schemeClr val="accent1"/>
                 </a:solidFill>
               </a14:hiddenFill>
             </a:ext>
             <a:ext uri="{91240B29-F687-4f45-9708-019B960494DF}">
-              <a14:hiddenLine xmlns="" xmlns:a14="http://schemas.microsoft.com/office/drawing/2010/main" w="9525">
+              <a14:hiddenLine xmlns:a14="http://schemas.microsoft.com/office/drawing/2010/main" xmlns="" w="9525">
                 <a:solidFill>
                   <a:schemeClr val="tx1"/>
                 </a:solidFill>
@@ -7840,11 +7840,11 @@
   <p:clrMapOvr>
     <a:masterClrMapping/>
   </p:clrMapOvr>
-  <mc:AlternateContent xmlns:mc="http://schemas.openxmlformats.org/markup-compatibility/2006">
-    <mc:Choice xmlns:p14="http://schemas.microsoft.com/office/powerpoint/2010/main" Requires="p14">
+  <mc:AlternateContent xmlns:mc="http://schemas.openxmlformats.org/markup-compatibility/2006" xmlns:p14="http://schemas.microsoft.com/office/powerpoint/2010/main">
+    <mc:Choice Requires="p14">
       <p:transition p14:dur="0" advTm="26911"/>
     </mc:Choice>
-    <mc:Fallback>
+    <mc:Fallback xmlns="">
       <p:transition advTm="26911"/>
     </mc:Fallback>
   </mc:AlternateContent>
@@ -9260,7 +9260,7 @@
     <mc:Choice Requires="p14">
       <p:transition p14:dur="0" advTm="25596"/>
     </mc:Choice>
-    <mc:Fallback xmlns="" xmlns:m="http://schemas.openxmlformats.org/officeDocument/2006/math" xmlns:w="http://schemas.openxmlformats.org/wordprocessingml/2006/main">
+    <mc:Fallback xmlns:w="http://schemas.openxmlformats.org/wordprocessingml/2006/main" xmlns:m="http://schemas.openxmlformats.org/officeDocument/2006/math" xmlns="">
       <p:transition advClick="1" advTm="25596"/>
     </mc:Fallback>
   </mc:AlternateContent>

--- a/2022/how_to_build_software/how_to_build_software.pptx
+++ b/2022/how_to_build_software/how_to_build_software.pptx
@@ -5,10 +5,10 @@
     <p:sldMasterId id="2147483648" r:id="rId1"/>
   </p:sldMasterIdLst>
   <p:notesMasterIdLst>
-    <p:notesMasterId r:id="rId19"/>
+    <p:notesMasterId r:id="rId18"/>
   </p:notesMasterIdLst>
   <p:handoutMasterIdLst>
-    <p:handoutMasterId r:id="rId20"/>
+    <p:handoutMasterId r:id="rId19"/>
   </p:handoutMasterIdLst>
   <p:sldIdLst>
     <p:sldId id="256" r:id="rId2"/>
@@ -25,9 +25,8 @@
     <p:sldId id="298" r:id="rId13"/>
     <p:sldId id="292" r:id="rId14"/>
     <p:sldId id="299" r:id="rId15"/>
-    <p:sldId id="288" r:id="rId16"/>
-    <p:sldId id="262" r:id="rId17"/>
-    <p:sldId id="260" r:id="rId18"/>
+    <p:sldId id="262" r:id="rId16"/>
+    <p:sldId id="260" r:id="rId17"/>
   </p:sldIdLst>
   <p:sldSz cx="12192000" cy="6858000"/>
   <p:notesSz cx="6858000" cy="9144000"/>
@@ -1028,7 +1027,7 @@
           <a:p>
             <a:fld id="{BDE15CF0-5FCF-41C9-B381-1D3C8AC05A9A}" type="slidenum">
               <a:rPr lang="de-CH" smtClean="0"/>
-              <a:t>16</a:t>
+              <a:t>15</a:t>
             </a:fld>
             <a:endParaRPr lang="de-CH" dirty="0"/>
           </a:p>
@@ -1441,14 +1440,14 @@
           </a:ln>
           <a:extLst>
             <a:ext uri="{909E8E84-426E-40dd-AFC4-6F175D3DCCD1}">
-              <a14:hiddenFill xmlns:a14="http://schemas.microsoft.com/office/drawing/2010/main" xmlns="">
+              <a14:hiddenFill xmlns="" xmlns:a14="http://schemas.microsoft.com/office/drawing/2010/main">
                 <a:solidFill>
                   <a:schemeClr val="accent1"/>
                 </a:solidFill>
               </a14:hiddenFill>
             </a:ext>
             <a:ext uri="{91240B29-F687-4f45-9708-019B960494DF}">
-              <a14:hiddenLine xmlns:a14="http://schemas.microsoft.com/office/drawing/2010/main" xmlns="" w="9525">
+              <a14:hiddenLine xmlns="" xmlns:a14="http://schemas.microsoft.com/office/drawing/2010/main" w="9525">
                 <a:solidFill>
                   <a:schemeClr val="tx1"/>
                 </a:solidFill>
@@ -1458,7 +1457,7 @@
               </a14:hiddenLine>
             </a:ext>
             <a:ext uri="{AF507438-7753-43e0-B8FC-AC1667EBCBE1}">
-              <a14:hiddenEffects xmlns:a14="http://schemas.microsoft.com/office/drawing/2010/main" xmlns="">
+              <a14:hiddenEffects xmlns="" xmlns:a14="http://schemas.microsoft.com/office/drawing/2010/main">
                 <a:effectLst>
                   <a:outerShdw dist="35921" dir="2700000" algn="ctr" rotWithShape="0">
                     <a:schemeClr val="bg2"/>
@@ -4854,19 +4853,19 @@
             </a:r>
             <a:r>
               <a:rPr lang="en-US" sz="2200" b="1" dirty="0"/>
-              <a:t>MODULEPATH </a:t>
+              <a:t>MODULEPATH</a:t>
             </a:r>
             <a:r>
               <a:rPr lang="en-US" sz="2200" dirty="0"/>
-              <a:t>with </a:t>
+              <a:t>:</a:t>
             </a:r>
             <a:r>
               <a:rPr lang="en-US" sz="2200" b="1" dirty="0"/>
-              <a:t>module use $</a:t>
+              <a:t> module use $</a:t>
             </a:r>
             <a:r>
               <a:rPr lang="en-US" sz="2400" b="1" dirty="0"/>
-              <a:t>EASYBUILD_PREFIX/module/all</a:t>
+              <a:t>EASYBUILD_PREFIX/modules/all</a:t>
             </a:r>
           </a:p>
           <a:p>
@@ -5065,7 +5064,12 @@
             <p:ph type="ftr" sz="quarter" idx="3"/>
           </p:nvPr>
         </p:nvSpPr>
-        <p:spPr/>
+        <p:spPr>
+          <a:xfrm>
+            <a:off x="1967541" y="6453336"/>
+            <a:ext cx="4116579" cy="144016"/>
+          </a:xfrm>
+        </p:spPr>
         <p:txBody>
           <a:bodyPr/>
           <a:lstStyle/>
@@ -5380,1066 +5384,6 @@
 </file>
 
 <file path=ppt/slides/slide15.xml><?xml version="1.0" encoding="utf-8"?>
-<p:sld xmlns:a="http://schemas.openxmlformats.org/drawingml/2006/main" xmlns:r="http://schemas.openxmlformats.org/officeDocument/2006/relationships" xmlns:p="http://schemas.openxmlformats.org/presentationml/2006/main" showMasterPhAnim="0" show="0">
-  <p:cSld>
-    <p:spTree>
-      <p:nvGrpSpPr>
-        <p:cNvPr id="1" name=""/>
-        <p:cNvGrpSpPr/>
-        <p:nvPr/>
-      </p:nvGrpSpPr>
-      <p:grpSpPr bwMode="auto">
-        <a:xfrm>
-          <a:off x="0" y="0"/>
-          <a:ext cx="0" cy="0"/>
-          <a:chOff x="0" y="0"/>
-          <a:chExt cx="0" cy="0"/>
-        </a:xfrm>
-      </p:grpSpPr>
-      <p:sp>
-        <p:nvSpPr>
-          <p:cNvPr id="4" name="TextShape 1"/>
-          <p:cNvSpPr>
-            <a:spLocks/>
-          </p:cNvSpPr>
-          <p:nvPr/>
-        </p:nvSpPr>
-        <p:spPr bwMode="auto">
-          <a:xfrm>
-            <a:off x="431640" y="44640"/>
-            <a:ext cx="11328120" cy="861480"/>
-          </a:xfrm>
-          <a:prstGeom prst="rect">
-            <a:avLst/>
-          </a:prstGeom>
-          <a:noFill/>
-          <a:ln>
-            <a:noFill/>
-          </a:ln>
-        </p:spPr>
-        <p:txBody>
-          <a:bodyPr lIns="0" tIns="0" rIns="0" bIns="72000" anchor="b">
-            <a:noAutofit/>
-          </a:bodyPr>
-          <a:lstStyle/>
-          <a:p>
-            <a:pPr>
-              <a:lnSpc>
-                <a:spcPct val="100000"/>
-              </a:lnSpc>
-              <a:defRPr/>
-            </a:pPr>
-            <a:r>
-              <a:rPr lang="de-DE" sz="2600" b="1" strike="noStrike" spc="-1" dirty="0">
-                <a:solidFill>
-                  <a:srgbClr val="404040"/>
-                </a:solidFill>
-                <a:latin typeface="Arial"/>
-              </a:rPr>
-              <a:t>HPE Cray </a:t>
-            </a:r>
-            <a:r>
-              <a:rPr lang="de-DE" sz="2600" b="1" strike="noStrike" spc="-1" dirty="0" err="1">
-                <a:solidFill>
-                  <a:srgbClr val="404040"/>
-                </a:solidFill>
-                <a:latin typeface="Arial"/>
-              </a:rPr>
-              <a:t>and</a:t>
-            </a:r>
-            <a:r>
-              <a:rPr lang="de-DE" sz="2600" b="1" strike="noStrike" spc="-1" dirty="0">
-                <a:solidFill>
-                  <a:srgbClr val="404040"/>
-                </a:solidFill>
-                <a:latin typeface="Arial"/>
-              </a:rPr>
-              <a:t> NVIDIA </a:t>
-            </a:r>
-            <a:r>
-              <a:rPr lang="de-DE" sz="2600" b="1" strike="noStrike" spc="-1" dirty="0" err="1">
-                <a:solidFill>
-                  <a:srgbClr val="404040"/>
-                </a:solidFill>
-                <a:latin typeface="Arial"/>
-              </a:rPr>
-              <a:t>Documentation</a:t>
-            </a:r>
-            <a:endParaRPr lang="de-DE" sz="2600" b="0" strike="noStrike" spc="-1" dirty="0">
-              <a:solidFill>
-                <a:srgbClr val="000000"/>
-              </a:solidFill>
-              <a:latin typeface="Arial"/>
-            </a:endParaRPr>
-          </a:p>
-        </p:txBody>
-      </p:sp>
-      <p:sp>
-        <p:nvSpPr>
-          <p:cNvPr id="5" name="TextShape 2"/>
-          <p:cNvSpPr>
-            <a:spLocks/>
-          </p:cNvSpPr>
-          <p:nvPr/>
-        </p:nvSpPr>
-        <p:spPr bwMode="auto">
-          <a:xfrm>
-            <a:off x="431640" y="952920"/>
-            <a:ext cx="11328120" cy="5140080"/>
-          </a:xfrm>
-          <a:prstGeom prst="rect">
-            <a:avLst/>
-          </a:prstGeom>
-          <a:noFill/>
-          <a:ln>
-            <a:noFill/>
-          </a:ln>
-        </p:spPr>
-        <p:txBody>
-          <a:bodyPr lIns="0" tIns="57600" rIns="0"/>
-          <a:lstStyle/>
-          <a:p>
-            <a:pPr marL="285840" indent="-285480">
-              <a:buClr>
-                <a:srgbClr val="A60B16"/>
-              </a:buClr>
-              <a:buFont typeface="Wingdings"/>
-              <a:buChar char=""/>
-              <a:defRPr/>
-            </a:pPr>
-            <a:r>
-              <a:rPr lang="de-DE" sz="2400" b="1" spc="-1" dirty="0">
-                <a:solidFill>
-                  <a:srgbClr val="000000"/>
-                </a:solidFill>
-              </a:rPr>
-              <a:t>Cray man </a:t>
-            </a:r>
-            <a:r>
-              <a:rPr lang="de-DE" sz="2400" spc="-1" dirty="0" err="1">
-                <a:solidFill>
-                  <a:srgbClr val="000000"/>
-                </a:solidFill>
-              </a:rPr>
-              <a:t>pages</a:t>
-            </a:r>
-            <a:endParaRPr sz="2400" dirty="0"/>
-          </a:p>
-          <a:p>
-            <a:pPr marL="743040" lvl="1" indent="-285480">
-              <a:buClr>
-                <a:srgbClr val="A60B16"/>
-              </a:buClr>
-              <a:buFont typeface="Wingdings"/>
-              <a:buChar char=""/>
-              <a:defRPr/>
-            </a:pPr>
-            <a:r>
-              <a:rPr lang="de-DE" sz="2400" spc="-1" dirty="0" err="1">
-                <a:solidFill>
-                  <a:srgbClr val="000000"/>
-                </a:solidFill>
-              </a:rPr>
-              <a:t>Textual</a:t>
-            </a:r>
-            <a:r>
-              <a:rPr lang="de-DE" sz="2400" spc="-1" dirty="0">
-                <a:solidFill>
-                  <a:srgbClr val="000000"/>
-                </a:solidFill>
-              </a:rPr>
-              <a:t> </a:t>
-            </a:r>
-            <a:r>
-              <a:rPr lang="de-DE" sz="2400" spc="-1" dirty="0" err="1">
-                <a:solidFill>
-                  <a:srgbClr val="000000"/>
-                </a:solidFill>
-              </a:rPr>
-              <a:t>help</a:t>
-            </a:r>
-            <a:r>
-              <a:rPr lang="de-DE" sz="2400" spc="-1" dirty="0">
-                <a:solidFill>
-                  <a:srgbClr val="000000"/>
-                </a:solidFill>
-              </a:rPr>
-              <a:t> </a:t>
-            </a:r>
-            <a:r>
-              <a:rPr lang="de-DE" sz="2400" spc="-1" dirty="0" err="1">
-                <a:solidFill>
-                  <a:srgbClr val="000000"/>
-                </a:solidFill>
-              </a:rPr>
-              <a:t>files</a:t>
-            </a:r>
-            <a:r>
-              <a:rPr lang="de-DE" sz="2400" spc="-1" dirty="0">
-                <a:solidFill>
-                  <a:srgbClr val="000000"/>
-                </a:solidFill>
-              </a:rPr>
-              <a:t> on </a:t>
-            </a:r>
-            <a:r>
-              <a:rPr lang="de-DE" sz="2400" spc="-1" dirty="0" err="1">
-                <a:solidFill>
-                  <a:srgbClr val="000000"/>
-                </a:solidFill>
-              </a:rPr>
-              <a:t>the</a:t>
-            </a:r>
-            <a:r>
-              <a:rPr lang="de-DE" sz="2400" spc="-1" dirty="0">
-                <a:solidFill>
-                  <a:srgbClr val="000000"/>
-                </a:solidFill>
-              </a:rPr>
-              <a:t> </a:t>
-            </a:r>
-            <a:r>
-              <a:rPr lang="de-DE" sz="2400" spc="-1" dirty="0" err="1">
-                <a:solidFill>
-                  <a:srgbClr val="000000"/>
-                </a:solidFill>
-              </a:rPr>
-              <a:t>command</a:t>
-            </a:r>
-            <a:r>
-              <a:rPr lang="de-DE" sz="2400" spc="-1" dirty="0">
-                <a:solidFill>
-                  <a:srgbClr val="000000"/>
-                </a:solidFill>
-              </a:rPr>
-              <a:t> </a:t>
-            </a:r>
-            <a:r>
-              <a:rPr lang="de-DE" sz="2400" spc="-1" dirty="0" err="1">
-                <a:solidFill>
-                  <a:srgbClr val="000000"/>
-                </a:solidFill>
-              </a:rPr>
-              <a:t>line</a:t>
-            </a:r>
-            <a:r>
-              <a:rPr lang="de-DE" sz="2400" spc="-1" dirty="0">
-                <a:solidFill>
-                  <a:srgbClr val="000000"/>
-                </a:solidFill>
-              </a:rPr>
-              <a:t> </a:t>
-            </a:r>
-            <a:r>
-              <a:rPr lang="de-DE" sz="2400" spc="-1" dirty="0" err="1">
-                <a:solidFill>
-                  <a:srgbClr val="000000"/>
-                </a:solidFill>
-              </a:rPr>
-              <a:t>of</a:t>
-            </a:r>
-            <a:r>
-              <a:rPr lang="de-DE" sz="2400" spc="-1" dirty="0">
-                <a:solidFill>
-                  <a:srgbClr val="000000"/>
-                </a:solidFill>
-              </a:rPr>
-              <a:t> Cray </a:t>
-            </a:r>
-            <a:r>
-              <a:rPr lang="de-DE" sz="2400" spc="-1" dirty="0" err="1">
-                <a:solidFill>
-                  <a:srgbClr val="000000"/>
-                </a:solidFill>
-              </a:rPr>
-              <a:t>systems</a:t>
-            </a:r>
-            <a:endParaRPr lang="de-DE" sz="2400" spc="-1" dirty="0">
-              <a:solidFill>
-                <a:srgbClr val="000000"/>
-              </a:solidFill>
-            </a:endParaRPr>
-          </a:p>
-          <a:p>
-            <a:pPr marL="743040" lvl="1" indent="-285480">
-              <a:buClr>
-                <a:srgbClr val="A60B16"/>
-              </a:buClr>
-              <a:buFont typeface="Wingdings"/>
-              <a:buChar char=""/>
-              <a:defRPr/>
-            </a:pPr>
-            <a:r>
-              <a:rPr lang="de-DE" sz="2400" b="1" spc="-1" dirty="0">
-                <a:solidFill>
-                  <a:srgbClr val="000000"/>
-                </a:solidFill>
-              </a:rPr>
-              <a:t>man</a:t>
-            </a:r>
-            <a:r>
-              <a:rPr lang="de-DE" sz="2400" spc="-1" dirty="0">
-                <a:solidFill>
-                  <a:srgbClr val="000000"/>
-                </a:solidFill>
-              </a:rPr>
-              <a:t> </a:t>
-            </a:r>
-            <a:r>
-              <a:rPr lang="de-DE" sz="2400" spc="-1" dirty="0" err="1">
-                <a:solidFill>
-                  <a:srgbClr val="000000"/>
-                </a:solidFill>
-              </a:rPr>
-              <a:t>command</a:t>
-            </a:r>
-            <a:r>
-              <a:rPr lang="de-DE" sz="2400" spc="-1" dirty="0">
-                <a:solidFill>
-                  <a:srgbClr val="000000"/>
-                </a:solidFill>
-              </a:rPr>
-              <a:t> </a:t>
-            </a:r>
-            <a:r>
-              <a:rPr lang="de-DE" sz="2400" spc="-1" dirty="0" err="1">
-                <a:solidFill>
-                  <a:srgbClr val="000000"/>
-                </a:solidFill>
-              </a:rPr>
-              <a:t>followed</a:t>
-            </a:r>
-            <a:r>
-              <a:rPr lang="de-DE" sz="2400" spc="-1" dirty="0">
-                <a:solidFill>
-                  <a:srgbClr val="000000"/>
-                </a:solidFill>
-              </a:rPr>
-              <a:t> </a:t>
-            </a:r>
-            <a:r>
-              <a:rPr lang="de-DE" sz="2400" spc="-1" dirty="0" err="1">
-                <a:solidFill>
-                  <a:srgbClr val="000000"/>
-                </a:solidFill>
-              </a:rPr>
-              <a:t>by</a:t>
-            </a:r>
-            <a:r>
-              <a:rPr lang="de-DE" sz="2400" spc="-1" dirty="0">
-                <a:solidFill>
-                  <a:srgbClr val="000000"/>
-                </a:solidFill>
-              </a:rPr>
-              <a:t> </a:t>
-            </a:r>
-            <a:r>
-              <a:rPr lang="de-DE" sz="2400" spc="-1" dirty="0" err="1">
-                <a:solidFill>
-                  <a:srgbClr val="000000"/>
-                </a:solidFill>
-              </a:rPr>
-              <a:t>the</a:t>
-            </a:r>
-            <a:r>
-              <a:rPr lang="de-DE" sz="2400" spc="-1" dirty="0">
-                <a:solidFill>
-                  <a:srgbClr val="000000"/>
-                </a:solidFill>
-              </a:rPr>
-              <a:t> </a:t>
-            </a:r>
-            <a:r>
-              <a:rPr lang="de-DE" sz="2400" spc="-1" dirty="0" err="1">
-                <a:solidFill>
-                  <a:srgbClr val="000000"/>
-                </a:solidFill>
-              </a:rPr>
-              <a:t>name</a:t>
-            </a:r>
-            <a:r>
-              <a:rPr lang="de-DE" sz="2400" spc="-1" dirty="0">
-                <a:solidFill>
-                  <a:srgbClr val="000000"/>
-                </a:solidFill>
-              </a:rPr>
-              <a:t> </a:t>
-            </a:r>
-            <a:r>
-              <a:rPr lang="de-DE" sz="2400" spc="-1" dirty="0" err="1">
-                <a:solidFill>
-                  <a:srgbClr val="000000"/>
-                </a:solidFill>
-              </a:rPr>
-              <a:t>of</a:t>
-            </a:r>
-            <a:r>
-              <a:rPr lang="de-DE" sz="2400" spc="-1" dirty="0">
-                <a:solidFill>
-                  <a:srgbClr val="000000"/>
-                </a:solidFill>
-              </a:rPr>
-              <a:t> </a:t>
-            </a:r>
-            <a:r>
-              <a:rPr lang="de-DE" sz="2400" spc="-1" dirty="0" err="1">
-                <a:solidFill>
-                  <a:srgbClr val="000000"/>
-                </a:solidFill>
-              </a:rPr>
-              <a:t>the</a:t>
-            </a:r>
-            <a:r>
-              <a:rPr lang="de-DE" sz="2400" spc="-1" dirty="0">
-                <a:solidFill>
-                  <a:srgbClr val="000000"/>
-                </a:solidFill>
-              </a:rPr>
-              <a:t> man </a:t>
-            </a:r>
-            <a:r>
-              <a:rPr lang="de-DE" sz="2400" spc="-1" dirty="0" err="1">
-                <a:solidFill>
-                  <a:srgbClr val="000000"/>
-                </a:solidFill>
-              </a:rPr>
-              <a:t>page</a:t>
-            </a:r>
-            <a:endParaRPr lang="de-DE" sz="2400" spc="-1" dirty="0">
-              <a:solidFill>
-                <a:srgbClr val="000000"/>
-              </a:solidFill>
-            </a:endParaRPr>
-          </a:p>
-          <a:p>
-            <a:pPr marL="743040" lvl="1" indent="-285480">
-              <a:buClr>
-                <a:srgbClr val="A60B16"/>
-              </a:buClr>
-              <a:buFont typeface="Wingdings"/>
-              <a:buChar char=""/>
-              <a:defRPr/>
-            </a:pPr>
-            <a:r>
-              <a:rPr lang="de-DE" sz="2400" spc="-1" dirty="0" err="1">
-                <a:solidFill>
-                  <a:srgbClr val="000000"/>
-                </a:solidFill>
-              </a:rPr>
-              <a:t>Described</a:t>
-            </a:r>
-            <a:r>
-              <a:rPr lang="de-DE" sz="2400" spc="-1" dirty="0">
-                <a:solidFill>
-                  <a:srgbClr val="000000"/>
-                </a:solidFill>
-              </a:rPr>
-              <a:t> on man(1) </a:t>
-            </a:r>
-            <a:r>
-              <a:rPr lang="de-DE" sz="2400" spc="-1" dirty="0" err="1">
-                <a:solidFill>
-                  <a:srgbClr val="000000"/>
-                </a:solidFill>
-              </a:rPr>
-              <a:t>page</a:t>
-            </a:r>
-            <a:r>
-              <a:rPr lang="de-DE" sz="2400" spc="-1" dirty="0">
-                <a:solidFill>
-                  <a:srgbClr val="000000"/>
-                </a:solidFill>
-              </a:rPr>
-              <a:t> </a:t>
-            </a:r>
-            <a:r>
-              <a:rPr lang="de-DE" sz="2400" spc="-1" dirty="0" err="1">
-                <a:solidFill>
-                  <a:srgbClr val="000000"/>
-                </a:solidFill>
-              </a:rPr>
-              <a:t>accessible</a:t>
-            </a:r>
-            <a:r>
-              <a:rPr lang="de-DE" sz="2400" spc="-1" dirty="0">
-                <a:solidFill>
-                  <a:srgbClr val="000000"/>
-                </a:solidFill>
-              </a:rPr>
-              <a:t> </a:t>
-            </a:r>
-            <a:r>
-              <a:rPr lang="de-DE" sz="2400" spc="-1" dirty="0" err="1">
-                <a:solidFill>
-                  <a:srgbClr val="000000"/>
-                </a:solidFill>
-              </a:rPr>
-              <a:t>with</a:t>
-            </a:r>
-            <a:r>
-              <a:rPr lang="de-DE" sz="2400" spc="-1" dirty="0">
-                <a:solidFill>
-                  <a:srgbClr val="000000"/>
-                </a:solidFill>
-              </a:rPr>
-              <a:t> </a:t>
-            </a:r>
-            <a:r>
-              <a:rPr lang="de-DE" sz="2400" b="1" spc="-1" dirty="0">
-                <a:solidFill>
-                  <a:srgbClr val="000000"/>
-                </a:solidFill>
-              </a:rPr>
-              <a:t>man man</a:t>
-            </a:r>
-            <a:endParaRPr lang="de-DE" sz="2400" spc="-1" dirty="0">
-              <a:solidFill>
-                <a:srgbClr val="000000"/>
-              </a:solidFill>
-            </a:endParaRPr>
-          </a:p>
-          <a:p>
-            <a:pPr marL="343080" indent="-342720">
-              <a:lnSpc>
-                <a:spcPct val="100000"/>
-              </a:lnSpc>
-              <a:spcBef>
-                <a:spcPts val="479"/>
-              </a:spcBef>
-              <a:spcAft>
-                <a:spcPts val="601"/>
-              </a:spcAft>
-              <a:buClr>
-                <a:srgbClr val="A60B16"/>
-              </a:buClr>
-              <a:buFont typeface="Wingdings"/>
-              <a:buChar char=""/>
-              <a:defRPr/>
-            </a:pPr>
-            <a:endParaRPr lang="de-DE" sz="2400" b="1" strike="noStrike" spc="-1" dirty="0">
-              <a:solidFill>
-                <a:srgbClr val="000000"/>
-              </a:solidFill>
-              <a:latin typeface="Arial"/>
-            </a:endParaRPr>
-          </a:p>
-          <a:p>
-            <a:pPr marL="343080" indent="-342720">
-              <a:lnSpc>
-                <a:spcPct val="100000"/>
-              </a:lnSpc>
-              <a:spcBef>
-                <a:spcPts val="479"/>
-              </a:spcBef>
-              <a:spcAft>
-                <a:spcPts val="601"/>
-              </a:spcAft>
-              <a:buClr>
-                <a:srgbClr val="A60B16"/>
-              </a:buClr>
-              <a:buFont typeface="Wingdings"/>
-              <a:buChar char=""/>
-              <a:defRPr/>
-            </a:pPr>
-            <a:r>
-              <a:rPr lang="de-DE" sz="2400" b="1" strike="noStrike" spc="-1" dirty="0">
-                <a:solidFill>
-                  <a:srgbClr val="000000"/>
-                </a:solidFill>
-                <a:latin typeface="Arial"/>
-              </a:rPr>
-              <a:t>HPE Cray Technical </a:t>
-            </a:r>
-            <a:r>
-              <a:rPr lang="de-DE" sz="2400" b="1" strike="noStrike" spc="-1" dirty="0" err="1">
-                <a:solidFill>
-                  <a:srgbClr val="000000"/>
-                </a:solidFill>
-                <a:latin typeface="Arial"/>
-              </a:rPr>
-              <a:t>Documentation</a:t>
-            </a:r>
-            <a:r>
-              <a:rPr lang="de-DE" sz="2400" strike="noStrike" spc="0" dirty="0">
-                <a:solidFill>
-                  <a:srgbClr val="000000"/>
-                </a:solidFill>
-                <a:latin typeface="Arial"/>
-              </a:rPr>
-              <a:t> at </a:t>
-            </a:r>
-            <a:r>
-              <a:rPr lang="de-DE" sz="2400" u="sng" spc="-1" dirty="0">
-                <a:solidFill>
-                  <a:srgbClr val="A60B16"/>
-                </a:solidFill>
-                <a:hlinkClick r:id="rId2"/>
-              </a:rPr>
-              <a:t>http://support.hpe.com</a:t>
-            </a:r>
-            <a:endParaRPr sz="2400" dirty="0"/>
-          </a:p>
-          <a:p>
-            <a:pPr marL="743040" lvl="1" indent="-285480">
-              <a:lnSpc>
-                <a:spcPct val="100000"/>
-              </a:lnSpc>
-              <a:buClr>
-                <a:srgbClr val="A60B16"/>
-              </a:buClr>
-              <a:buFont typeface="Wingdings"/>
-              <a:buChar char=""/>
-              <a:defRPr/>
-            </a:pPr>
-            <a:r>
-              <a:rPr lang="de-DE" sz="2400" b="0" strike="noStrike" spc="-1" dirty="0">
-                <a:solidFill>
-                  <a:srgbClr val="000000"/>
-                </a:solidFill>
-                <a:latin typeface="Arial"/>
-              </a:rPr>
-              <a:t>Quick </a:t>
-            </a:r>
-            <a:r>
-              <a:rPr lang="de-DE" sz="2400" b="0" strike="noStrike" spc="-1" dirty="0" err="1">
-                <a:solidFill>
-                  <a:srgbClr val="000000"/>
-                </a:solidFill>
-                <a:latin typeface="Arial"/>
-              </a:rPr>
-              <a:t>access</a:t>
-            </a:r>
-            <a:r>
-              <a:rPr lang="de-DE" sz="2400" b="0" strike="noStrike" spc="-1" dirty="0">
-                <a:solidFill>
-                  <a:srgbClr val="000000"/>
-                </a:solidFill>
-                <a:latin typeface="Arial"/>
-              </a:rPr>
-              <a:t> </a:t>
-            </a:r>
-            <a:r>
-              <a:rPr lang="de-DE" sz="2400" b="0" strike="noStrike" spc="-1" dirty="0" err="1">
-                <a:solidFill>
-                  <a:srgbClr val="000000"/>
-                </a:solidFill>
-                <a:latin typeface="Arial"/>
-              </a:rPr>
-              <a:t>and</a:t>
-            </a:r>
-            <a:r>
-              <a:rPr lang="de-DE" sz="2400" b="0" strike="noStrike" spc="-1" dirty="0">
-                <a:solidFill>
-                  <a:srgbClr val="000000"/>
-                </a:solidFill>
-                <a:latin typeface="Arial"/>
-              </a:rPr>
-              <a:t> </a:t>
-            </a:r>
-            <a:r>
-              <a:rPr lang="de-DE" sz="2400" b="0" strike="noStrike" spc="-1" dirty="0" err="1">
-                <a:solidFill>
-                  <a:srgbClr val="000000"/>
-                </a:solidFill>
-                <a:latin typeface="Arial"/>
-              </a:rPr>
-              <a:t>search</a:t>
-            </a:r>
-            <a:r>
-              <a:rPr lang="de-DE" sz="2400" b="0" strike="noStrike" spc="-1" dirty="0">
-                <a:solidFill>
-                  <a:srgbClr val="000000"/>
-                </a:solidFill>
-                <a:latin typeface="Arial"/>
-              </a:rPr>
-              <a:t> </a:t>
-            </a:r>
-            <a:r>
-              <a:rPr lang="de-DE" sz="2400" b="0" strike="noStrike" spc="-1" dirty="0" err="1">
-                <a:solidFill>
-                  <a:srgbClr val="000000"/>
-                </a:solidFill>
-                <a:latin typeface="Arial"/>
-              </a:rPr>
-              <a:t>of</a:t>
-            </a:r>
-            <a:r>
-              <a:rPr lang="de-DE" sz="2400" b="0" strike="noStrike" spc="-1" dirty="0">
-                <a:solidFill>
-                  <a:srgbClr val="000000"/>
-                </a:solidFill>
-                <a:latin typeface="Arial"/>
-              </a:rPr>
-              <a:t> Cray </a:t>
-            </a:r>
-            <a:r>
-              <a:rPr lang="de-DE" sz="2400" b="0" strike="noStrike" spc="-1" dirty="0" err="1">
-                <a:solidFill>
-                  <a:srgbClr val="000000"/>
-                </a:solidFill>
-                <a:latin typeface="Arial"/>
-              </a:rPr>
-              <a:t>books</a:t>
-            </a:r>
-            <a:endParaRPr lang="de-DE" sz="2400" spc="-1" dirty="0">
-              <a:solidFill>
-                <a:srgbClr val="000000"/>
-              </a:solidFill>
-              <a:latin typeface="Arial"/>
-            </a:endParaRPr>
-          </a:p>
-          <a:p>
-            <a:pPr marL="743040" lvl="1" indent="-285480">
-              <a:lnSpc>
-                <a:spcPct val="100000"/>
-              </a:lnSpc>
-              <a:buClr>
-                <a:srgbClr val="A60B16"/>
-              </a:buClr>
-              <a:buFont typeface="Wingdings"/>
-              <a:buChar char=""/>
-              <a:defRPr/>
-            </a:pPr>
-            <a:r>
-              <a:rPr lang="de-DE" sz="2400" b="1" strike="noStrike" spc="-1" dirty="0">
-                <a:solidFill>
-                  <a:srgbClr val="000000"/>
-                </a:solidFill>
-                <a:latin typeface="Arial"/>
-              </a:rPr>
-              <a:t>man</a:t>
-            </a:r>
-            <a:r>
-              <a:rPr lang="de-DE" sz="2400" b="0" strike="noStrike" spc="-1" dirty="0">
-                <a:solidFill>
-                  <a:srgbClr val="000000"/>
-                </a:solidFill>
-                <a:latin typeface="Arial"/>
-              </a:rPr>
-              <a:t> </a:t>
-            </a:r>
-            <a:r>
-              <a:rPr lang="de-DE" sz="2400" b="0" strike="noStrike" spc="-1" dirty="0" err="1">
-                <a:solidFill>
-                  <a:srgbClr val="000000"/>
-                </a:solidFill>
-                <a:latin typeface="Arial"/>
-              </a:rPr>
-              <a:t>pages</a:t>
-            </a:r>
-            <a:r>
-              <a:rPr lang="de-DE" sz="2400" b="0" strike="noStrike" spc="-1" dirty="0">
-                <a:solidFill>
-                  <a:srgbClr val="000000"/>
-                </a:solidFill>
-                <a:latin typeface="Arial"/>
-              </a:rPr>
-              <a:t> </a:t>
-            </a:r>
-            <a:r>
-              <a:rPr lang="de-DE" sz="2400" b="0" strike="noStrike" spc="-1" dirty="0" err="1">
-                <a:solidFill>
-                  <a:srgbClr val="000000"/>
-                </a:solidFill>
-                <a:latin typeface="Arial"/>
-              </a:rPr>
-              <a:t>and</a:t>
-            </a:r>
-            <a:r>
-              <a:rPr lang="de-DE" sz="2400" b="0" strike="noStrike" spc="-1" dirty="0">
-                <a:solidFill>
-                  <a:srgbClr val="000000"/>
-                </a:solidFill>
-                <a:latin typeface="Arial"/>
-              </a:rPr>
-              <a:t> </a:t>
-            </a:r>
-            <a:r>
-              <a:rPr lang="de-DE" sz="2400" b="0" strike="noStrike" spc="-1" dirty="0" err="1">
-                <a:solidFill>
-                  <a:srgbClr val="000000"/>
-                </a:solidFill>
-                <a:latin typeface="Arial"/>
-              </a:rPr>
-              <a:t>third</a:t>
-            </a:r>
-            <a:r>
-              <a:rPr lang="de-DE" sz="2400" b="0" strike="noStrike" spc="-1" dirty="0">
-                <a:solidFill>
-                  <a:srgbClr val="000000"/>
-                </a:solidFill>
-                <a:latin typeface="Arial"/>
-              </a:rPr>
-              <a:t>-party </a:t>
-            </a:r>
-            <a:r>
-              <a:rPr lang="de-DE" sz="2400" b="0" strike="noStrike" spc="-1" dirty="0" err="1">
-                <a:solidFill>
-                  <a:srgbClr val="000000"/>
-                </a:solidFill>
-                <a:latin typeface="Arial"/>
-              </a:rPr>
-              <a:t>documentation</a:t>
-            </a:r>
-            <a:endParaRPr lang="de-DE" sz="2400" b="0" strike="noStrike" spc="-1" dirty="0">
-              <a:solidFill>
-                <a:srgbClr val="000000"/>
-              </a:solidFill>
-              <a:latin typeface="Arial"/>
-            </a:endParaRPr>
-          </a:p>
-          <a:p>
-            <a:pPr marL="743040" lvl="1" indent="-285480">
-              <a:lnSpc>
-                <a:spcPct val="100000"/>
-              </a:lnSpc>
-              <a:buClr>
-                <a:srgbClr val="A60B16"/>
-              </a:buClr>
-              <a:buFont typeface="Wingdings"/>
-              <a:buChar char=""/>
-              <a:defRPr/>
-            </a:pPr>
-            <a:r>
-              <a:rPr lang="de-DE" sz="2400" b="0" strike="noStrike" spc="-1" dirty="0" err="1">
-                <a:solidFill>
-                  <a:srgbClr val="000000"/>
-                </a:solidFill>
-                <a:latin typeface="Arial"/>
-              </a:rPr>
-              <a:t>Available</a:t>
-            </a:r>
-            <a:r>
-              <a:rPr lang="de-DE" sz="2400" b="0" strike="noStrike" spc="-1" dirty="0">
-                <a:solidFill>
-                  <a:srgbClr val="000000"/>
-                </a:solidFill>
-                <a:latin typeface="Arial"/>
-              </a:rPr>
-              <a:t> in HTML </a:t>
-            </a:r>
-            <a:r>
-              <a:rPr lang="de-DE" sz="2400" b="0" strike="noStrike" spc="-1" dirty="0" err="1">
-                <a:solidFill>
-                  <a:srgbClr val="000000"/>
-                </a:solidFill>
-                <a:latin typeface="Arial"/>
-              </a:rPr>
-              <a:t>and</a:t>
-            </a:r>
-            <a:r>
-              <a:rPr lang="de-DE" sz="2400" b="0" strike="noStrike" spc="-1" dirty="0">
-                <a:solidFill>
-                  <a:srgbClr val="000000"/>
-                </a:solidFill>
-                <a:latin typeface="Arial"/>
-              </a:rPr>
-              <a:t> PDF </a:t>
-            </a:r>
-            <a:r>
-              <a:rPr lang="de-DE" sz="2400" b="0" strike="noStrike" spc="-1" dirty="0" err="1">
-                <a:solidFill>
-                  <a:srgbClr val="000000"/>
-                </a:solidFill>
-                <a:latin typeface="Arial"/>
-              </a:rPr>
-              <a:t>formats</a:t>
-            </a:r>
-            <a:endParaRPr lang="de-DE" sz="2400" spc="-1" dirty="0">
-              <a:solidFill>
-                <a:srgbClr val="000000"/>
-              </a:solidFill>
-              <a:latin typeface="Arial"/>
-            </a:endParaRPr>
-          </a:p>
-          <a:p>
-            <a:pPr marL="285840" indent="-285480">
-              <a:buClr>
-                <a:srgbClr val="A60B16"/>
-              </a:buClr>
-              <a:buFont typeface="Wingdings"/>
-              <a:buChar char=""/>
-              <a:defRPr/>
-            </a:pPr>
-            <a:endParaRPr lang="de-DE" sz="2400" spc="-1" dirty="0">
-              <a:solidFill>
-                <a:srgbClr val="000000"/>
-              </a:solidFill>
-              <a:latin typeface="Arial"/>
-            </a:endParaRPr>
-          </a:p>
-          <a:p>
-            <a:pPr marL="285840" indent="-285480">
-              <a:buClr>
-                <a:srgbClr val="A60B16"/>
-              </a:buClr>
-              <a:buFont typeface="Wingdings"/>
-              <a:buChar char=""/>
-              <a:defRPr/>
-            </a:pPr>
-            <a:r>
-              <a:rPr lang="en-US" sz="2400" b="1" dirty="0"/>
-              <a:t>NVIDIA</a:t>
-            </a:r>
-            <a:r>
-              <a:rPr lang="en-US" sz="2400" dirty="0"/>
-              <a:t> Documentation Portal at </a:t>
-            </a:r>
-            <a:r>
-              <a:rPr lang="en-US" sz="2400" u="sng" dirty="0">
-                <a:hlinkClick r:id="rId3"/>
-              </a:rPr>
-              <a:t>http://docs.nvidia.com</a:t>
-            </a:r>
-            <a:endParaRPr lang="en-US" sz="2400" u="sng" dirty="0"/>
-          </a:p>
-          <a:p>
-            <a:pPr marL="743040" lvl="1" indent="-285480">
-              <a:buClr>
-                <a:srgbClr val="A60B16"/>
-              </a:buClr>
-              <a:buFont typeface="Wingdings"/>
-              <a:buChar char=""/>
-              <a:defRPr/>
-            </a:pPr>
-            <a:r>
-              <a:rPr lang="en-US" sz="2400" dirty="0"/>
-              <a:t>NVIDIA compiler: </a:t>
-            </a:r>
-            <a:r>
-              <a:rPr lang="en-US" sz="2400" b="1" dirty="0" err="1"/>
-              <a:t>nvcc</a:t>
-            </a:r>
-            <a:r>
-              <a:rPr lang="en-US" sz="2400" b="1" dirty="0"/>
-              <a:t> --help</a:t>
-            </a:r>
-            <a:endParaRPr lang="de-DE" sz="2400" b="1" u="sng" strike="noStrike" spc="-1" dirty="0">
-              <a:solidFill>
-                <a:srgbClr val="000000"/>
-              </a:solidFill>
-              <a:latin typeface="Arial"/>
-            </a:endParaRPr>
-          </a:p>
-        </p:txBody>
-      </p:sp>
-      <p:sp>
-        <p:nvSpPr>
-          <p:cNvPr id="6" name="TextShape 4"/>
-          <p:cNvSpPr>
-            <a:spLocks/>
-          </p:cNvSpPr>
-          <p:nvPr/>
-        </p:nvSpPr>
-        <p:spPr bwMode="auto">
-          <a:xfrm>
-            <a:off x="6095880" y="6456240"/>
-            <a:ext cx="383760" cy="143640"/>
-          </a:xfrm>
-          <a:prstGeom prst="rect">
-            <a:avLst/>
-          </a:prstGeom>
-          <a:noFill/>
-          <a:ln>
-            <a:noFill/>
-          </a:ln>
-        </p:spPr>
-        <p:txBody>
-          <a:bodyPr lIns="72000" tIns="0" rIns="0" bIns="0" anchor="ctr">
-            <a:noAutofit/>
-          </a:bodyPr>
-          <a:lstStyle/>
-          <a:p>
-            <a:pPr>
-              <a:lnSpc>
-                <a:spcPct val="100000"/>
-              </a:lnSpc>
-              <a:defRPr/>
-            </a:pPr>
-            <a:fld id="{F1A54D89-4E9D-4BBE-9E51-6A7B35482EC2}" type="slidenum">
-              <a:rPr lang="en-US" sz="800" b="0" strike="noStrike" spc="-1">
-                <a:solidFill>
-                  <a:srgbClr val="939393"/>
-                </a:solidFill>
-                <a:latin typeface="Arial"/>
-              </a:rPr>
-              <a:t>15</a:t>
-            </a:fld>
-            <a:endParaRPr lang="en-US" sz="800" b="0" strike="noStrike" spc="-1">
-              <a:latin typeface="Times New Roman"/>
-            </a:endParaRPr>
-          </a:p>
-        </p:txBody>
-      </p:sp>
-      <p:sp>
-        <p:nvSpPr>
-          <p:cNvPr id="7" name="CustomShape 2"/>
-          <p:cNvSpPr/>
-          <p:nvPr/>
-        </p:nvSpPr>
-        <p:spPr bwMode="auto">
-          <a:xfrm>
-            <a:off x="1967400" y="6456240"/>
-            <a:ext cx="4115160" cy="142560"/>
-          </a:xfrm>
-          <a:prstGeom prst="rect">
-            <a:avLst/>
-          </a:prstGeom>
-          <a:noFill/>
-          <a:ln>
-            <a:noFill/>
-          </a:ln>
-        </p:spPr>
-        <p:style>
-          <a:lnRef idx="0">
-            <a:srgbClr val="000000"/>
-          </a:lnRef>
-          <a:fillRef idx="0">
-            <a:srgbClr val="000000"/>
-          </a:fillRef>
-          <a:effectRef idx="0">
-            <a:srgbClr val="000000"/>
-          </a:effectRef>
-          <a:fontRef idx="minor"/>
-        </p:style>
-        <p:txBody>
-          <a:bodyPr lIns="0" tIns="0" rIns="72000" bIns="0" anchor="ctr">
-            <a:noAutofit/>
-          </a:bodyPr>
-          <a:lstStyle/>
-          <a:p>
-            <a:pPr algn="r">
-              <a:defRPr/>
-            </a:pPr>
-            <a:r>
-              <a:rPr lang="en-US" sz="800" b="0" i="0" u="none" strike="noStrike" cap="none" spc="0">
-                <a:solidFill>
-                  <a:srgbClr val="939393"/>
-                </a:solidFill>
-                <a:latin typeface="+mn-lt"/>
-                <a:ea typeface="+mn-ea"/>
-                <a:cs typeface="+mn-cs"/>
-              </a:rPr>
-              <a:t>A Practical Introduction to CSCS HPC Infrastructure</a:t>
-            </a:r>
-            <a:endParaRPr/>
-          </a:p>
-        </p:txBody>
-      </p:sp>
-    </p:spTree>
-    <p:extLst>
-      <p:ext uri="{BB962C8B-B14F-4D97-AF65-F5344CB8AC3E}">
-        <p14:creationId xmlns:p14="http://schemas.microsoft.com/office/powerpoint/2010/main" val="2600375590"/>
-      </p:ext>
-    </p:extLst>
-  </p:cSld>
-  <p:clrMapOvr>
-    <a:masterClrMapping/>
-  </p:clrMapOvr>
-</p:sld>
-</file>
-
-<file path=ppt/slides/slide16.xml><?xml version="1.0" encoding="utf-8"?>
 <p:sld xmlns:a="http://schemas.openxmlformats.org/drawingml/2006/main" xmlns:r="http://schemas.openxmlformats.org/officeDocument/2006/relationships" xmlns:p="http://schemas.openxmlformats.org/presentationml/2006/main">
   <p:cSld>
     <p:spTree>
@@ -6648,7 +5592,7 @@
             <a:fld id="{69C859BB-BF0B-4BDC-BBD4-42B4A100F88B}" type="slidenum">
               <a:rPr lang="de-CH" smtClean="0"/>
               <a:pPr/>
-              <a:t>16</a:t>
+              <a:t>15</a:t>
             </a:fld>
             <a:endParaRPr lang="de-CH" dirty="0"/>
           </a:p>
@@ -6760,7 +5704,7 @@
 </p:sld>
 </file>
 
-<file path=ppt/slides/slide17.xml><?xml version="1.0" encoding="utf-8"?>
+<file path=ppt/slides/slide16.xml><?xml version="1.0" encoding="utf-8"?>
 <p:sld xmlns:a="http://schemas.openxmlformats.org/drawingml/2006/main" xmlns:r="http://schemas.openxmlformats.org/officeDocument/2006/relationships" xmlns:p="http://schemas.openxmlformats.org/presentationml/2006/main">
   <p:cSld>
     <p:spTree>
@@ -6910,7 +5854,12 @@
             <p:ph type="ftr" sz="quarter" idx="3"/>
           </p:nvPr>
         </p:nvSpPr>
-        <p:spPr/>
+        <p:spPr>
+          <a:xfrm>
+            <a:off x="1967541" y="6453336"/>
+            <a:ext cx="4116579" cy="144016"/>
+          </a:xfrm>
+        </p:spPr>
         <p:txBody>
           <a:bodyPr/>
           <a:lstStyle/>
@@ -7004,14 +5953,14 @@
           </a:ln>
           <a:extLst>
             <a:ext uri="{909E8E84-426E-40dd-AFC4-6F175D3DCCD1}">
-              <a14:hiddenFill xmlns:a14="http://schemas.microsoft.com/office/drawing/2010/main" xmlns="">
+              <a14:hiddenFill xmlns="" xmlns:a14="http://schemas.microsoft.com/office/drawing/2010/main">
                 <a:solidFill>
                   <a:schemeClr val="accent1"/>
                 </a:solidFill>
               </a14:hiddenFill>
             </a:ext>
             <a:ext uri="{91240B29-F687-4f45-9708-019B960494DF}">
-              <a14:hiddenLine xmlns:a14="http://schemas.microsoft.com/office/drawing/2010/main" xmlns="" w="9525">
+              <a14:hiddenLine xmlns="" xmlns:a14="http://schemas.microsoft.com/office/drawing/2010/main" w="9525">
                 <a:solidFill>
                   <a:schemeClr val="tx1"/>
                 </a:solidFill>
@@ -7777,56 +6726,35 @@
       </p:sp>
       <p:sp>
         <p:nvSpPr>
-          <p:cNvPr id="8" name="CustomShape 2"/>
-          <p:cNvSpPr/>
-          <p:nvPr/>
-        </p:nvSpPr>
-        <p:spPr bwMode="auto">
+          <p:cNvPr id="9" name="Fußzeilenplatzhalter 3">
+            <a:extLst>
+              <a:ext uri="{FF2B5EF4-FFF2-40B4-BE49-F238E27FC236}">
+                <a16:creationId xmlns:a16="http://schemas.microsoft.com/office/drawing/2014/main" id="{E955D850-9B5D-274A-BB32-569308A68A5B}"/>
+              </a:ext>
+            </a:extLst>
+          </p:cNvPr>
+          <p:cNvSpPr>
+            <a:spLocks noGrp="1"/>
+          </p:cNvSpPr>
+          <p:nvPr>
+            <p:ph type="ftr" sz="quarter" idx="3"/>
+          </p:nvPr>
+        </p:nvSpPr>
+        <p:spPr>
           <a:xfrm>
-            <a:off x="1967400" y="6456240"/>
-            <a:ext cx="4115160" cy="142560"/>
+            <a:off x="1967541" y="6456392"/>
+            <a:ext cx="4116579" cy="144016"/>
           </a:xfrm>
-          <a:prstGeom prst="rect">
-            <a:avLst/>
-          </a:prstGeom>
-          <a:noFill/>
-          <a:ln>
-            <a:noFill/>
-          </a:ln>
         </p:spPr>
-        <p:style>
-          <a:lnRef idx="0">
-            <a:srgbClr val="000000"/>
-          </a:lnRef>
-          <a:fillRef idx="0">
-            <a:srgbClr val="000000"/>
-          </a:fillRef>
-          <a:effectRef idx="0">
-            <a:srgbClr val="000000"/>
-          </a:effectRef>
-          <a:fontRef idx="minor"/>
-        </p:style>
-        <p:txBody>
-          <a:bodyPr lIns="0" tIns="0" rIns="72000" bIns="0" anchor="ctr">
-            <a:noAutofit/>
-          </a:bodyPr>
+        <p:txBody>
+          <a:bodyPr/>
           <a:lstStyle/>
           <a:p>
-            <a:pPr algn="r">
-              <a:defRPr/>
-            </a:pPr>
-            <a:r>
-              <a:rPr lang="en-US" sz="800" b="0" i="0" u="none" strike="noStrike" cap="none" spc="0">
-                <a:solidFill>
-                  <a:srgbClr val="939393"/>
-                </a:solidFill>
-                <a:latin typeface="+mn-lt"/>
-                <a:ea typeface="+mn-ea"/>
-                <a:cs typeface="+mn-cs"/>
-              </a:rPr>
-              <a:t>A Practical Introduction to CSCS HPC Infrastructure</a:t>
-            </a:r>
-            <a:endParaRPr/>
+            <a:r>
+              <a:rPr lang="en-US" b="1" dirty="0"/>
+              <a:t>How to build HPC software at CSCS: a practical introduction</a:t>
+            </a:r>
+            <a:endParaRPr lang="en-US" noProof="0" dirty="0"/>
           </a:p>
         </p:txBody>
       </p:sp>
@@ -8047,56 +6975,35 @@
       </p:pic>
       <p:sp>
         <p:nvSpPr>
-          <p:cNvPr id="8" name="CustomShape 2"/>
-          <p:cNvSpPr/>
-          <p:nvPr/>
-        </p:nvSpPr>
-        <p:spPr bwMode="auto">
+          <p:cNvPr id="9" name="Fußzeilenplatzhalter 3">
+            <a:extLst>
+              <a:ext uri="{FF2B5EF4-FFF2-40B4-BE49-F238E27FC236}">
+                <a16:creationId xmlns:a16="http://schemas.microsoft.com/office/drawing/2014/main" id="{3D4C394D-1E92-344C-B5E1-E25049423222}"/>
+              </a:ext>
+            </a:extLst>
+          </p:cNvPr>
+          <p:cNvSpPr>
+            <a:spLocks noGrp="1"/>
+          </p:cNvSpPr>
+          <p:nvPr>
+            <p:ph type="ftr" sz="quarter" idx="3"/>
+          </p:nvPr>
+        </p:nvSpPr>
+        <p:spPr>
           <a:xfrm>
-            <a:off x="1967400" y="6456240"/>
-            <a:ext cx="4115160" cy="142560"/>
+            <a:off x="1967541" y="6456392"/>
+            <a:ext cx="4116579" cy="144016"/>
           </a:xfrm>
-          <a:prstGeom prst="rect">
-            <a:avLst/>
-          </a:prstGeom>
-          <a:noFill/>
-          <a:ln>
-            <a:noFill/>
-          </a:ln>
         </p:spPr>
-        <p:style>
-          <a:lnRef idx="0">
-            <a:srgbClr val="000000"/>
-          </a:lnRef>
-          <a:fillRef idx="0">
-            <a:srgbClr val="000000"/>
-          </a:fillRef>
-          <a:effectRef idx="0">
-            <a:srgbClr val="000000"/>
-          </a:effectRef>
-          <a:fontRef idx="minor"/>
-        </p:style>
-        <p:txBody>
-          <a:bodyPr lIns="0" tIns="0" rIns="72000" bIns="0" anchor="ctr">
-            <a:noAutofit/>
-          </a:bodyPr>
+        <p:txBody>
+          <a:bodyPr/>
           <a:lstStyle/>
           <a:p>
-            <a:pPr algn="r">
-              <a:defRPr/>
-            </a:pPr>
-            <a:r>
-              <a:rPr lang="en-US" sz="800" b="0" i="0" u="none" strike="noStrike" cap="none" spc="0">
-                <a:solidFill>
-                  <a:srgbClr val="939393"/>
-                </a:solidFill>
-                <a:latin typeface="+mn-lt"/>
-                <a:ea typeface="+mn-ea"/>
-                <a:cs typeface="+mn-cs"/>
-              </a:rPr>
-              <a:t>A Practical Introduction to CSCS HPC Infrastructure</a:t>
-            </a:r>
-            <a:endParaRPr/>
+            <a:r>
+              <a:rPr lang="en-US" b="1" dirty="0"/>
+              <a:t>How to build HPC software at CSCS: a practical introduction</a:t>
+            </a:r>
+            <a:endParaRPr lang="en-US" noProof="0" dirty="0"/>
           </a:p>
         </p:txBody>
       </p:sp>
@@ -8427,56 +7334,35 @@
       </p:pic>
       <p:sp>
         <p:nvSpPr>
-          <p:cNvPr id="10" name="CustomShape 2"/>
-          <p:cNvSpPr/>
-          <p:nvPr/>
-        </p:nvSpPr>
-        <p:spPr bwMode="auto">
+          <p:cNvPr id="11" name="Fußzeilenplatzhalter 3">
+            <a:extLst>
+              <a:ext uri="{FF2B5EF4-FFF2-40B4-BE49-F238E27FC236}">
+                <a16:creationId xmlns:a16="http://schemas.microsoft.com/office/drawing/2014/main" id="{B16078F3-0A31-A543-A2A8-CE7DDD3F8E34}"/>
+              </a:ext>
+            </a:extLst>
+          </p:cNvPr>
+          <p:cNvSpPr>
+            <a:spLocks noGrp="1"/>
+          </p:cNvSpPr>
+          <p:nvPr>
+            <p:ph type="ftr" sz="quarter" idx="3"/>
+          </p:nvPr>
+        </p:nvSpPr>
+        <p:spPr>
           <a:xfrm>
-            <a:off x="1967400" y="6456240"/>
-            <a:ext cx="4115160" cy="142560"/>
+            <a:off x="1967541" y="6456392"/>
+            <a:ext cx="4116579" cy="144016"/>
           </a:xfrm>
-          <a:prstGeom prst="rect">
-            <a:avLst/>
-          </a:prstGeom>
-          <a:noFill/>
-          <a:ln>
-            <a:noFill/>
-          </a:ln>
         </p:spPr>
-        <p:style>
-          <a:lnRef idx="0">
-            <a:srgbClr val="000000"/>
-          </a:lnRef>
-          <a:fillRef idx="0">
-            <a:srgbClr val="000000"/>
-          </a:fillRef>
-          <a:effectRef idx="0">
-            <a:srgbClr val="000000"/>
-          </a:effectRef>
-          <a:fontRef idx="minor"/>
-        </p:style>
-        <p:txBody>
-          <a:bodyPr lIns="0" tIns="0" rIns="72000" bIns="0" anchor="ctr">
-            <a:noAutofit/>
-          </a:bodyPr>
+        <p:txBody>
+          <a:bodyPr/>
           <a:lstStyle/>
           <a:p>
-            <a:pPr algn="r">
-              <a:defRPr/>
-            </a:pPr>
-            <a:r>
-              <a:rPr lang="en-US" sz="800" b="0" i="0" u="none" strike="noStrike" cap="none" spc="0">
-                <a:solidFill>
-                  <a:srgbClr val="939393"/>
-                </a:solidFill>
-                <a:latin typeface="+mn-lt"/>
-                <a:ea typeface="+mn-ea"/>
-                <a:cs typeface="+mn-cs"/>
-              </a:rPr>
-              <a:t>A Practical Introduction to CSCS HPC Infrastructure</a:t>
-            </a:r>
-            <a:endParaRPr/>
+            <a:r>
+              <a:rPr lang="en-US" b="1" dirty="0"/>
+              <a:t>How to build HPC software at CSCS: a practical introduction</a:t>
+            </a:r>
+            <a:endParaRPr lang="en-US" noProof="0" dirty="0"/>
           </a:p>
         </p:txBody>
       </p:sp>
@@ -8627,6 +7513,12 @@
             <a:pPr>
               <a:defRPr/>
             </a:pPr>
+            <a:endParaRPr lang="en-US" sz="2400" dirty="0"/>
+          </a:p>
+          <a:p>
+            <a:pPr>
+              <a:defRPr/>
+            </a:pPr>
             <a:r>
               <a:rPr lang="en-US" sz="2400" dirty="0"/>
               <a:t>The following products have been updated within this release:</a:t>
@@ -8639,7 +7531,7 @@
             </a:pPr>
             <a:r>
               <a:rPr lang="de-DE" b="1" dirty="0"/>
-              <a:t> Cray </a:t>
+              <a:t>Cray </a:t>
             </a:r>
             <a:r>
               <a:rPr lang="de-DE" b="1" dirty="0" err="1"/>
@@ -8667,7 +7559,7 @@
                 <a:latin typeface="Arial"/>
                 <a:cs typeface="Arial"/>
               </a:rPr>
-              <a:t> 12.032, </a:t>
+              <a:t> 12.0.3, </a:t>
             </a:r>
             <a:r>
               <a:rPr lang="de-DE" sz="2400" dirty="0" err="1">
@@ -8713,12 +7605,6 @@
             <a:pPr lvl="1">
               <a:defRPr/>
             </a:pPr>
-            <a:endParaRPr lang="de-DE" b="1" dirty="0"/>
-          </a:p>
-          <a:p>
-            <a:pPr lvl="1">
-              <a:defRPr/>
-            </a:pPr>
             <a:r>
               <a:rPr lang="de-DE" b="1" dirty="0"/>
               <a:t>Cray Performance Measurement &amp; Analysis Tools - CPMAT</a:t>
@@ -8731,19 +7617,13 @@
             </a:pPr>
             <a:r>
               <a:rPr lang="de-DE" sz="2400" dirty="0" err="1"/>
-              <a:t>Perftools</a:t>
+              <a:t>perftools</a:t>
             </a:r>
             <a:r>
               <a:rPr lang="de-DE" sz="2400" dirty="0"/>
               <a:t> 21.09.0</a:t>
             </a:r>
             <a:endParaRPr dirty="0"/>
-          </a:p>
-          <a:p>
-            <a:pPr lvl="1">
-              <a:defRPr/>
-            </a:pPr>
-            <a:endParaRPr lang="de-DE" b="1" dirty="0"/>
           </a:p>
           <a:p>
             <a:pPr lvl="1">
@@ -8808,12 +7688,6 @@
             <a:pPr lvl="1">
               <a:defRPr/>
             </a:pPr>
-            <a:endParaRPr lang="de-DE" b="1" dirty="0"/>
-          </a:p>
-          <a:p>
-            <a:pPr lvl="1">
-              <a:defRPr/>
-            </a:pPr>
             <a:r>
               <a:rPr lang="de-DE" b="1" dirty="0"/>
               <a:t>Third </a:t>
@@ -8837,8 +7711,12 @@
               <a:defRPr/>
             </a:pPr>
             <a:r>
+              <a:rPr lang="de-DE" sz="2400" dirty="0" err="1"/>
+              <a:t>gcc</a:t>
+            </a:r>
+            <a:r>
               <a:rPr lang="de-DE" sz="2400" dirty="0"/>
-              <a:t>GCC 10.3.0 </a:t>
+              <a:t> 10.3.0 </a:t>
             </a:r>
             <a:r>
               <a:rPr lang="de-DE" sz="2400" dirty="0" err="1"/>
@@ -8871,56 +7749,35 @@
       </p:sp>
       <p:sp>
         <p:nvSpPr>
-          <p:cNvPr id="7" name="CustomShape 2"/>
-          <p:cNvSpPr/>
-          <p:nvPr/>
-        </p:nvSpPr>
-        <p:spPr bwMode="auto">
+          <p:cNvPr id="8" name="Fußzeilenplatzhalter 3">
+            <a:extLst>
+              <a:ext uri="{FF2B5EF4-FFF2-40B4-BE49-F238E27FC236}">
+                <a16:creationId xmlns:a16="http://schemas.microsoft.com/office/drawing/2014/main" id="{26C911ED-3350-6A43-9112-BFEB0E8696A3}"/>
+              </a:ext>
+            </a:extLst>
+          </p:cNvPr>
+          <p:cNvSpPr>
+            <a:spLocks noGrp="1"/>
+          </p:cNvSpPr>
+          <p:nvPr>
+            <p:ph type="ftr" sz="quarter" idx="3"/>
+          </p:nvPr>
+        </p:nvSpPr>
+        <p:spPr>
           <a:xfrm>
-            <a:off x="1967400" y="6456240"/>
-            <a:ext cx="4115160" cy="142560"/>
+            <a:off x="1967541" y="6456392"/>
+            <a:ext cx="4116579" cy="144016"/>
           </a:xfrm>
-          <a:prstGeom prst="rect">
-            <a:avLst/>
-          </a:prstGeom>
-          <a:noFill/>
-          <a:ln>
-            <a:noFill/>
-          </a:ln>
         </p:spPr>
-        <p:style>
-          <a:lnRef idx="0">
-            <a:srgbClr val="000000"/>
-          </a:lnRef>
-          <a:fillRef idx="0">
-            <a:srgbClr val="000000"/>
-          </a:fillRef>
-          <a:effectRef idx="0">
-            <a:srgbClr val="000000"/>
-          </a:effectRef>
-          <a:fontRef idx="minor"/>
-        </p:style>
-        <p:txBody>
-          <a:bodyPr lIns="0" tIns="0" rIns="72000" bIns="0" anchor="ctr">
-            <a:noAutofit/>
-          </a:bodyPr>
+        <p:txBody>
+          <a:bodyPr/>
           <a:lstStyle/>
           <a:p>
-            <a:pPr algn="r">
-              <a:defRPr/>
-            </a:pPr>
-            <a:r>
-              <a:rPr lang="en-US" sz="800" b="0" i="0" u="none" strike="noStrike" cap="none" spc="0">
-                <a:solidFill>
-                  <a:srgbClr val="939393"/>
-                </a:solidFill>
-                <a:latin typeface="+mn-lt"/>
-                <a:ea typeface="+mn-ea"/>
-                <a:cs typeface="+mn-cs"/>
-              </a:rPr>
-              <a:t>A Practical Introduction to CSCS HPC Infrastructure</a:t>
-            </a:r>
-            <a:endParaRPr/>
+            <a:r>
+              <a:rPr lang="en-US" b="1" dirty="0"/>
+              <a:t>How to build HPC software at CSCS: a practical introduction</a:t>
+            </a:r>
+            <a:endParaRPr lang="en-US" noProof="0" dirty="0"/>
           </a:p>
         </p:txBody>
       </p:sp>
@@ -9193,56 +8050,35 @@
       </p:sp>
       <p:sp>
         <p:nvSpPr>
-          <p:cNvPr id="6" name="CustomShape 2"/>
-          <p:cNvSpPr/>
-          <p:nvPr/>
-        </p:nvSpPr>
-        <p:spPr bwMode="auto">
+          <p:cNvPr id="7" name="Fußzeilenplatzhalter 3">
+            <a:extLst>
+              <a:ext uri="{FF2B5EF4-FFF2-40B4-BE49-F238E27FC236}">
+                <a16:creationId xmlns:a16="http://schemas.microsoft.com/office/drawing/2014/main" id="{AFB0D1C1-95F3-8C44-B782-87C5CCC00E4B}"/>
+              </a:ext>
+            </a:extLst>
+          </p:cNvPr>
+          <p:cNvSpPr>
+            <a:spLocks noGrp="1"/>
+          </p:cNvSpPr>
+          <p:nvPr>
+            <p:ph type="ftr" sz="quarter" idx="3"/>
+          </p:nvPr>
+        </p:nvSpPr>
+        <p:spPr>
           <a:xfrm>
-            <a:off x="1967400" y="6456240"/>
-            <a:ext cx="4115160" cy="142560"/>
+            <a:off x="1967541" y="6456392"/>
+            <a:ext cx="4116579" cy="144016"/>
           </a:xfrm>
-          <a:prstGeom prst="rect">
-            <a:avLst/>
-          </a:prstGeom>
-          <a:noFill/>
-          <a:ln>
-            <a:noFill/>
-          </a:ln>
         </p:spPr>
-        <p:style>
-          <a:lnRef idx="0">
-            <a:srgbClr val="000000"/>
-          </a:lnRef>
-          <a:fillRef idx="0">
-            <a:srgbClr val="000000"/>
-          </a:fillRef>
-          <a:effectRef idx="0">
-            <a:srgbClr val="000000"/>
-          </a:effectRef>
-          <a:fontRef idx="minor"/>
-        </p:style>
-        <p:txBody>
-          <a:bodyPr lIns="0" tIns="0" rIns="72000" bIns="0" anchor="ctr">
-            <a:noAutofit/>
-          </a:bodyPr>
+        <p:txBody>
+          <a:bodyPr/>
           <a:lstStyle/>
           <a:p>
-            <a:pPr algn="r">
-              <a:defRPr/>
-            </a:pPr>
-            <a:r>
-              <a:rPr lang="en-US" sz="800" b="0" i="0" u="none" strike="noStrike" cap="none" spc="0">
-                <a:solidFill>
-                  <a:srgbClr val="939393"/>
-                </a:solidFill>
-                <a:latin typeface="+mn-lt"/>
-                <a:ea typeface="+mn-ea"/>
-                <a:cs typeface="+mn-cs"/>
-              </a:rPr>
-              <a:t>A Practical Introduction to CSCS HPC Infrastructure</a:t>
-            </a:r>
-            <a:endParaRPr/>
+            <a:r>
+              <a:rPr lang="en-US" b="1" dirty="0"/>
+              <a:t>How to build HPC software at CSCS: a practical introduction</a:t>
+            </a:r>
+            <a:endParaRPr lang="en-US" noProof="0" dirty="0"/>
           </a:p>
         </p:txBody>
       </p:sp>
@@ -9260,7 +8096,7 @@
     <mc:Choice Requires="p14">
       <p:transition p14:dur="0" advTm="25596"/>
     </mc:Choice>
-    <mc:Fallback xmlns:w="http://schemas.openxmlformats.org/wordprocessingml/2006/main" xmlns:m="http://schemas.openxmlformats.org/officeDocument/2006/math" xmlns="">
+    <mc:Fallback xmlns="" xmlns:m="http://schemas.openxmlformats.org/officeDocument/2006/math" xmlns:w="http://schemas.openxmlformats.org/wordprocessingml/2006/main">
       <p:transition advClick="1" advTm="25596"/>
     </mc:Fallback>
   </mc:AlternateContent>
@@ -9380,7 +8216,7 @@
             </a:r>
             <a:r>
               <a:rPr lang="en-US" dirty="0"/>
-              <a:t> and </a:t>
+              <a:t> or </a:t>
             </a:r>
             <a:r>
               <a:rPr lang="en-US" b="1" dirty="0"/>
